--- a/提出（学生が出す）ー岡本/PM/17801 mizu/プレゼンテーション17801 [自動保存済み].pptx
+++ b/提出（学生が出す）ー岡本/PM/17801 mizu/プレゼンテーション17801 [自動保存済み].pptx
@@ -339,7 +339,7 @@
           <a:p>
             <a:fld id="{D52A6615-5E4B-4752-B12A-4E8AF2825B49}" type="datetimeFigureOut">
               <a:rPr kumimoji="1" lang="ja-JP" altLang="en-US" smtClean="0"/>
-              <a:t>2019/11/5</a:t>
+              <a:t>2019/11/7</a:t>
             </a:fld>
             <a:endParaRPr kumimoji="1" lang="ja-JP" altLang="en-US"/>
           </a:p>
@@ -663,7 +663,7 @@
           <a:p>
             <a:fld id="{D52A6615-5E4B-4752-B12A-4E8AF2825B49}" type="datetimeFigureOut">
               <a:rPr kumimoji="1" lang="ja-JP" altLang="en-US" smtClean="0"/>
-              <a:t>2019/11/5</a:t>
+              <a:t>2019/11/7</a:t>
             </a:fld>
             <a:endParaRPr kumimoji="1" lang="ja-JP" altLang="en-US"/>
           </a:p>
@@ -911,7 +911,7 @@
           <a:p>
             <a:fld id="{D52A6615-5E4B-4752-B12A-4E8AF2825B49}" type="datetimeFigureOut">
               <a:rPr kumimoji="1" lang="ja-JP" altLang="en-US" smtClean="0"/>
-              <a:t>2019/11/5</a:t>
+              <a:t>2019/11/7</a:t>
             </a:fld>
             <a:endParaRPr kumimoji="1" lang="ja-JP" altLang="en-US"/>
           </a:p>
@@ -1250,7 +1250,7 @@
           <a:p>
             <a:fld id="{D52A6615-5E4B-4752-B12A-4E8AF2825B49}" type="datetimeFigureOut">
               <a:rPr kumimoji="1" lang="ja-JP" altLang="en-US" smtClean="0"/>
-              <a:t>2019/11/5</a:t>
+              <a:t>2019/11/7</a:t>
             </a:fld>
             <a:endParaRPr kumimoji="1" lang="ja-JP" altLang="en-US"/>
           </a:p>
@@ -1597,7 +1597,7 @@
           <a:p>
             <a:fld id="{D52A6615-5E4B-4752-B12A-4E8AF2825B49}" type="datetimeFigureOut">
               <a:rPr kumimoji="1" lang="ja-JP" altLang="en-US" smtClean="0"/>
-              <a:t>2019/11/5</a:t>
+              <a:t>2019/11/7</a:t>
             </a:fld>
             <a:endParaRPr kumimoji="1" lang="ja-JP" altLang="en-US"/>
           </a:p>
@@ -1971,7 +1971,7 @@
           <a:p>
             <a:fld id="{D52A6615-5E4B-4752-B12A-4E8AF2825B49}" type="datetimeFigureOut">
               <a:rPr kumimoji="1" lang="ja-JP" altLang="en-US" smtClean="0"/>
-              <a:t>2019/11/5</a:t>
+              <a:t>2019/11/7</a:t>
             </a:fld>
             <a:endParaRPr kumimoji="1" lang="ja-JP" altLang="en-US"/>
           </a:p>
@@ -2441,7 +2441,7 @@
           <a:p>
             <a:fld id="{D52A6615-5E4B-4752-B12A-4E8AF2825B49}" type="datetimeFigureOut">
               <a:rPr kumimoji="1" lang="ja-JP" altLang="en-US" smtClean="0"/>
-              <a:t>2019/11/5</a:t>
+              <a:t>2019/11/7</a:t>
             </a:fld>
             <a:endParaRPr kumimoji="1" lang="ja-JP" altLang="en-US"/>
           </a:p>
@@ -2678,7 +2678,7 @@
           <a:p>
             <a:fld id="{D52A6615-5E4B-4752-B12A-4E8AF2825B49}" type="datetimeFigureOut">
               <a:rPr kumimoji="1" lang="ja-JP" altLang="en-US" smtClean="0"/>
-              <a:t>2019/11/5</a:t>
+              <a:t>2019/11/7</a:t>
             </a:fld>
             <a:endParaRPr kumimoji="1" lang="ja-JP" altLang="en-US"/>
           </a:p>
@@ -2921,7 +2921,7 @@
           <a:p>
             <a:fld id="{D52A6615-5E4B-4752-B12A-4E8AF2825B49}" type="datetimeFigureOut">
               <a:rPr kumimoji="1" lang="ja-JP" altLang="en-US" smtClean="0"/>
-              <a:t>2019/11/5</a:t>
+              <a:t>2019/11/7</a:t>
             </a:fld>
             <a:endParaRPr kumimoji="1" lang="ja-JP" altLang="en-US"/>
           </a:p>
@@ -3184,7 +3184,7 @@
           <a:p>
             <a:fld id="{D52A6615-5E4B-4752-B12A-4E8AF2825B49}" type="datetimeFigureOut">
               <a:rPr kumimoji="1" lang="ja-JP" altLang="en-US" smtClean="0"/>
-              <a:t>2019/11/5</a:t>
+              <a:t>2019/11/7</a:t>
             </a:fld>
             <a:endParaRPr kumimoji="1" lang="ja-JP" altLang="en-US"/>
           </a:p>
@@ -3432,7 +3432,7 @@
           <a:p>
             <a:fld id="{D52A6615-5E4B-4752-B12A-4E8AF2825B49}" type="datetimeFigureOut">
               <a:rPr kumimoji="1" lang="ja-JP" altLang="en-US" smtClean="0"/>
-              <a:t>2019/11/5</a:t>
+              <a:t>2019/11/7</a:t>
             </a:fld>
             <a:endParaRPr kumimoji="1" lang="ja-JP" altLang="en-US"/>
           </a:p>
@@ -3794,7 +3794,7 @@
           <a:p>
             <a:fld id="{D52A6615-5E4B-4752-B12A-4E8AF2825B49}" type="datetimeFigureOut">
               <a:rPr kumimoji="1" lang="ja-JP" altLang="en-US" smtClean="0"/>
-              <a:t>2019/11/5</a:t>
+              <a:t>2019/11/7</a:t>
             </a:fld>
             <a:endParaRPr kumimoji="1" lang="ja-JP" altLang="en-US"/>
           </a:p>
@@ -4240,7 +4240,7 @@
           <a:p>
             <a:fld id="{D52A6615-5E4B-4752-B12A-4E8AF2825B49}" type="datetimeFigureOut">
               <a:rPr kumimoji="1" lang="ja-JP" altLang="en-US" smtClean="0"/>
-              <a:t>2019/11/5</a:t>
+              <a:t>2019/11/7</a:t>
             </a:fld>
             <a:endParaRPr kumimoji="1" lang="ja-JP" altLang="en-US"/>
           </a:p>
@@ -4389,7 +4389,7 @@
           <a:p>
             <a:fld id="{D52A6615-5E4B-4752-B12A-4E8AF2825B49}" type="datetimeFigureOut">
               <a:rPr kumimoji="1" lang="ja-JP" altLang="en-US" smtClean="0"/>
-              <a:t>2019/11/5</a:t>
+              <a:t>2019/11/7</a:t>
             </a:fld>
             <a:endParaRPr kumimoji="1" lang="ja-JP" altLang="en-US"/>
           </a:p>
@@ -4515,7 +4515,7 @@
           <a:p>
             <a:fld id="{D52A6615-5E4B-4752-B12A-4E8AF2825B49}" type="datetimeFigureOut">
               <a:rPr kumimoji="1" lang="ja-JP" altLang="en-US" smtClean="0"/>
-              <a:t>2019/11/5</a:t>
+              <a:t>2019/11/7</a:t>
             </a:fld>
             <a:endParaRPr kumimoji="1" lang="ja-JP" altLang="en-US"/>
           </a:p>
@@ -4802,7 +4802,7 @@
           <a:p>
             <a:fld id="{D52A6615-5E4B-4752-B12A-4E8AF2825B49}" type="datetimeFigureOut">
               <a:rPr kumimoji="1" lang="ja-JP" altLang="en-US" smtClean="0"/>
-              <a:t>2019/11/5</a:t>
+              <a:t>2019/11/7</a:t>
             </a:fld>
             <a:endParaRPr kumimoji="1" lang="ja-JP" altLang="en-US"/>
           </a:p>
@@ -5117,7 +5117,7 @@
           <a:p>
             <a:fld id="{D52A6615-5E4B-4752-B12A-4E8AF2825B49}" type="datetimeFigureOut">
               <a:rPr kumimoji="1" lang="ja-JP" altLang="en-US" smtClean="0"/>
-              <a:t>2019/11/5</a:t>
+              <a:t>2019/11/7</a:t>
             </a:fld>
             <a:endParaRPr kumimoji="1" lang="ja-JP" altLang="en-US"/>
           </a:p>
@@ -5393,7 +5393,7 @@
           <a:p>
             <a:fld id="{D52A6615-5E4B-4752-B12A-4E8AF2825B49}" type="datetimeFigureOut">
               <a:rPr kumimoji="1" lang="ja-JP" altLang="en-US" smtClean="0"/>
-              <a:t>2019/11/5</a:t>
+              <a:t>2019/11/7</a:t>
             </a:fld>
             <a:endParaRPr kumimoji="1" lang="ja-JP" altLang="en-US"/>
           </a:p>
@@ -5958,8 +5958,8 @@
         </p:blipFill>
         <p:spPr>
           <a:xfrm>
-            <a:off x="829487" y="1854813"/>
-            <a:ext cx="10593979" cy="4830948"/>
+            <a:off x="0" y="1552775"/>
+            <a:ext cx="12191999" cy="5201921"/>
           </a:xfrm>
           <a:prstGeom prst="rect">
             <a:avLst/>
@@ -5974,8 +5974,8 @@
         </p:nvSpPr>
         <p:spPr>
           <a:xfrm>
-            <a:off x="3562315" y="3513909"/>
-            <a:ext cx="4753224" cy="1077218"/>
+            <a:off x="1066326" y="3615355"/>
+            <a:ext cx="4392965" cy="2800767"/>
           </a:xfrm>
           <a:prstGeom prst="rect">
             <a:avLst/>
@@ -5983,40 +5983,92 @@
           <a:noFill/>
         </p:spPr>
         <p:txBody>
-          <a:bodyPr wrap="none" rtlCol="0">
+          <a:bodyPr wrap="square" rtlCol="0">
             <a:spAutoFit/>
           </a:bodyPr>
           <a:lstStyle/>
           <a:p>
             <a:r>
-              <a:rPr kumimoji="1" lang="en-US" altLang="ja-JP" sz="3200" b="1" dirty="0" smtClean="0">
-                <a:latin typeface="Bahnschrift SemiBold" panose="020B0502040204020203" pitchFamily="34" charset="0"/>
+              <a:rPr lang="en-US" altLang="ja-JP" sz="1600" b="1" cap="all" dirty="0">
+                <a:solidFill>
+                  <a:srgbClr val="C00000"/>
+                </a:solidFill>
               </a:rPr>
-              <a:t>Best Cuisine for the most </a:t>
-            </a:r>
-          </a:p>
-          <a:p>
-            <a:r>
-              <a:rPr lang="en-US" altLang="ja-JP" sz="3200" b="1" dirty="0">
-                <a:latin typeface="Bahnschrift SemiBold" panose="020B0502040204020203" pitchFamily="34" charset="0"/>
+              <a:t>ENJOY THE BEST AUTHENTIC KOREAN CUISINE AT </a:t>
+            </a:r>
+            <a:r>
+              <a:rPr lang="en-US" altLang="ja-JP" sz="1600" b="1" cap="all" dirty="0" smtClean="0">
+                <a:solidFill>
+                  <a:srgbClr val="C00000"/>
+                </a:solidFill>
               </a:rPr>
-              <a:t> </a:t>
-            </a:r>
-            <a:r>
-              <a:rPr lang="en-US" altLang="ja-JP" sz="3200" b="1" dirty="0" smtClean="0">
-                <a:latin typeface="Bahnschrift SemiBold" panose="020B0502040204020203" pitchFamily="34" charset="0"/>
+              <a:t>K-TOWN</a:t>
+            </a:r>
+            <a:r>
+              <a:rPr lang="en-US" altLang="ja-JP" sz="1600" b="1" cap="all" dirty="0">
+                <a:solidFill>
+                  <a:srgbClr val="C00000"/>
+                </a:solidFill>
               </a:rPr>
-              <a:t>      </a:t>
-            </a:r>
-            <a:r>
-              <a:rPr kumimoji="1" lang="en-US" altLang="ja-JP" sz="3200" b="1" dirty="0" smtClean="0">
-                <a:latin typeface="Bahnschrift SemiBold" panose="020B0502040204020203" pitchFamily="34" charset="0"/>
+              <a:t>!</a:t>
+            </a:r>
+          </a:p>
+          <a:p>
+            <a:r>
+              <a:rPr lang="en-US" altLang="ja-JP" sz="1600" b="1" dirty="0">
+                <a:solidFill>
+                  <a:srgbClr val="C00000"/>
+                </a:solidFill>
               </a:rPr>
-              <a:t>exquisite taste!!</a:t>
-            </a:r>
-            <a:endParaRPr kumimoji="1" lang="ja-JP" altLang="en-US" sz="3200" b="1" dirty="0">
-              <a:latin typeface="Bahnschrift SemiBold" panose="020B0502040204020203" pitchFamily="34" charset="0"/>
-            </a:endParaRPr>
+              <a:t>We serve the University City, Philadelphia area with the best Korean dishes. Our restaurant offers </a:t>
+            </a:r>
+            <a:r>
+              <a:rPr lang="en-US" altLang="ja-JP" sz="1600" b="1" dirty="0" err="1">
+                <a:solidFill>
+                  <a:srgbClr val="C00000"/>
+                </a:solidFill>
+              </a:rPr>
+              <a:t>bibimbap</a:t>
+            </a:r>
+            <a:r>
+              <a:rPr lang="en-US" altLang="ja-JP" sz="1600" b="1" dirty="0">
+                <a:solidFill>
+                  <a:srgbClr val="C00000"/>
+                </a:solidFill>
+              </a:rPr>
+              <a:t>, various hot pots, barbecue meats, chicken dishes, and </a:t>
+            </a:r>
+            <a:r>
+              <a:rPr lang="en-US" altLang="ja-JP" sz="1600" b="1" dirty="0" err="1">
+                <a:solidFill>
+                  <a:srgbClr val="C00000"/>
+                </a:solidFill>
+              </a:rPr>
+              <a:t>potstickers</a:t>
+            </a:r>
+            <a:r>
+              <a:rPr lang="en-US" altLang="ja-JP" sz="1600" b="1" dirty="0">
+                <a:solidFill>
+                  <a:srgbClr val="C00000"/>
+                </a:solidFill>
+              </a:rPr>
+              <a:t>. Served with rice and side dishes. A selection of K-pop music completes the atmosphere in our restaurant.</a:t>
+            </a:r>
+            <a:br>
+              <a:rPr lang="en-US" altLang="ja-JP" sz="1600" b="1" dirty="0">
+                <a:solidFill>
+                  <a:srgbClr val="C00000"/>
+                </a:solidFill>
+              </a:rPr>
+            </a:br>
+            <a:r>
+              <a:rPr lang="en-US" altLang="ja-JP" sz="1600" b="1" dirty="0">
+                <a:solidFill>
+                  <a:srgbClr val="C00000"/>
+                </a:solidFill>
+              </a:rPr>
+              <a:t>We offer dine-in service and takeout. We hope to see you soon.</a:t>
+            </a:r>
           </a:p>
         </p:txBody>
       </p:sp>
@@ -6238,8 +6290,8 @@
         </p:nvSpPr>
         <p:spPr>
           <a:xfrm>
-            <a:off x="813522" y="627741"/>
-            <a:ext cx="10593979" cy="1213171"/>
+            <a:off x="0" y="439673"/>
+            <a:ext cx="12192000" cy="1113102"/>
           </a:xfrm>
           <a:prstGeom prst="rect">
             <a:avLst/>
@@ -6269,122 +6321,65 @@
           <a:lstStyle/>
           <a:p>
             <a:pPr algn="ctr"/>
-            <a:r>
-              <a:rPr lang="en-US" altLang="ja-JP" sz="4400" b="1" dirty="0" smtClean="0">
-                <a:solidFill>
-                  <a:schemeClr val="accent6">
-                    <a:lumMod val="75000"/>
-                  </a:schemeClr>
-                </a:solidFill>
-              </a:rPr>
-              <a:t> </a:t>
-            </a:r>
-          </a:p>
-          <a:p>
-            <a:pPr algn="ctr"/>
-            <a:r>
-              <a:rPr lang="ja-JP" altLang="en-US" sz="4400" b="1" u="sng" dirty="0" smtClean="0">
-                <a:solidFill>
-                  <a:schemeClr val="accent6"/>
-                </a:solidFill>
-              </a:rPr>
-              <a:t>Ｋ</a:t>
-            </a:r>
-            <a:r>
-              <a:rPr lang="en-US" altLang="ja-JP" sz="4400" b="1" u="sng" dirty="0" err="1" smtClean="0">
-                <a:solidFill>
-                  <a:schemeClr val="accent6"/>
-                </a:solidFill>
-              </a:rPr>
-              <a:t>orean</a:t>
-            </a:r>
-            <a:r>
-              <a:rPr lang="ja-JP" altLang="en-US" sz="4400" b="1" u="sng" dirty="0" smtClean="0">
-                <a:solidFill>
-                  <a:schemeClr val="accent6"/>
-                </a:solidFill>
-              </a:rPr>
-              <a:t> </a:t>
-            </a:r>
-            <a:r>
-              <a:rPr lang="en-US" altLang="ja-JP" sz="4400" b="1" u="sng" dirty="0" smtClean="0">
-                <a:solidFill>
-                  <a:schemeClr val="accent6"/>
-                </a:solidFill>
-              </a:rPr>
-              <a:t>Food </a:t>
-            </a:r>
-          </a:p>
-          <a:p>
-            <a:pPr algn="ctr"/>
-            <a:r>
-              <a:rPr lang="en-US" altLang="ja-JP" sz="2400" b="1" i="1" u="sng" dirty="0" smtClean="0">
-                <a:solidFill>
-                  <a:schemeClr val="tx1"/>
-                </a:solidFill>
-              </a:rPr>
-              <a:t>Various</a:t>
-            </a:r>
-            <a:r>
-              <a:rPr lang="ja-JP" altLang="en-US" sz="2400" b="1" i="1" u="sng" dirty="0" smtClean="0">
-                <a:solidFill>
-                  <a:schemeClr val="tx1"/>
-                </a:solidFill>
-              </a:rPr>
-              <a:t> </a:t>
-            </a:r>
-            <a:r>
-              <a:rPr lang="en-US" altLang="ja-JP" sz="2400" b="1" i="1" u="sng" dirty="0" smtClean="0">
-                <a:solidFill>
-                  <a:schemeClr val="tx1"/>
-                </a:solidFill>
-              </a:rPr>
-              <a:t>Korean Style food</a:t>
-            </a:r>
-            <a:r>
-              <a:rPr lang="ja-JP" altLang="en-US" sz="2400" b="1" i="1" u="sng" dirty="0" smtClean="0">
-                <a:solidFill>
-                  <a:schemeClr val="tx1"/>
-                </a:solidFill>
-              </a:rPr>
-              <a:t> </a:t>
-            </a:r>
-            <a:r>
-              <a:rPr lang="en-US" altLang="ja-JP" sz="2400" b="1" i="1" u="sng" dirty="0" smtClean="0">
-                <a:solidFill>
-                  <a:schemeClr val="tx1"/>
-                </a:solidFill>
-              </a:rPr>
-              <a:t>available</a:t>
-            </a:r>
-            <a:r>
-              <a:rPr lang="ja-JP" altLang="en-US" sz="2400" b="1" i="1" u="sng" dirty="0" smtClean="0">
-                <a:solidFill>
-                  <a:schemeClr val="tx1"/>
-                </a:solidFill>
-              </a:rPr>
-              <a:t> </a:t>
-            </a:r>
-            <a:r>
-              <a:rPr lang="en-US" altLang="ja-JP" sz="2400" b="1" i="1" u="sng" dirty="0" smtClean="0">
-                <a:solidFill>
-                  <a:schemeClr val="tx1"/>
-                </a:solidFill>
-              </a:rPr>
-              <a:t>here !!</a:t>
-            </a:r>
             <a:endParaRPr lang="ja-JP" altLang="en-US" sz="2400" b="1" i="1" u="sng" dirty="0" smtClean="0">
+              <a:ln w="9525">
+                <a:solidFill>
+                  <a:schemeClr val="bg1"/>
+                </a:solidFill>
+                <a:prstDash val="solid"/>
+              </a:ln>
               <a:solidFill>
                 <a:schemeClr val="tx1"/>
               </a:solidFill>
+              <a:effectLst>
+                <a:outerShdw blurRad="12700" dist="38100" dir="2700000" algn="tl" rotWithShape="0">
+                  <a:schemeClr val="bg1">
+                    <a:lumMod val="50000"/>
+                  </a:schemeClr>
+                </a:outerShdw>
+              </a:effectLst>
             </a:endParaRPr>
           </a:p>
           <a:p>
             <a:pPr algn="ctr"/>
-            <a:endParaRPr lang="en-US" altLang="ja-JP" sz="4400" b="1" dirty="0" smtClean="0">
+            <a:r>
+              <a:rPr lang="en-US" altLang="ja-JP" sz="4400" b="1" u="sng" dirty="0" smtClean="0">
+                <a:ln w="9525">
+                  <a:solidFill>
+                    <a:schemeClr val="bg1"/>
+                  </a:solidFill>
+                  <a:prstDash val="solid"/>
+                </a:ln>
+                <a:solidFill>
+                  <a:schemeClr val="tx1"/>
+                </a:solidFill>
+                <a:effectLst>
+                  <a:outerShdw blurRad="12700" dist="38100" dir="2700000" algn="tl" rotWithShape="0">
+                    <a:schemeClr val="bg1">
+                      <a:lumMod val="50000"/>
+                    </a:schemeClr>
+                  </a:outerShdw>
+                </a:effectLst>
+              </a:rPr>
+              <a:t>K-TOWN</a:t>
+            </a:r>
+            <a:endParaRPr lang="en-US" altLang="ja-JP" sz="4400" b="1" u="sng" dirty="0" smtClean="0">
+              <a:ln w="9525">
+                <a:solidFill>
+                  <a:schemeClr val="bg1"/>
+                </a:solidFill>
+                <a:prstDash val="solid"/>
+              </a:ln>
               <a:solidFill>
-                <a:schemeClr val="accent6"/>
+                <a:schemeClr val="tx1"/>
               </a:solidFill>
+              <a:effectLst>
+                <a:outerShdw blurRad="12700" dist="38100" dir="2700000" algn="tl" rotWithShape="0">
+                  <a:schemeClr val="bg1">
+                    <a:lumMod val="50000"/>
+                  </a:schemeClr>
+                </a:outerShdw>
+              </a:effectLst>
             </a:endParaRPr>
           </a:p>
         </p:txBody>
